--- a/70. Exercise (Data Sturcture).pptx
+++ b/70. Exercise (Data Sturcture).pptx
@@ -110,6 +110,11 @@
       </a:defRPr>
     </a:lvl9pPr>
   </p:defaultTextStyle>
+  <p:extLst>
+    <p:ext uri="{EFAFB233-063F-42B5-8137-9DF3F51BA10A}">
+      <p15:sldGuideLst xmlns:p15="http://schemas.microsoft.com/office/powerpoint/2012/main"/>
+    </p:ext>
+  </p:extLst>
 </p:presentation>
 </file>
 
@@ -155,10 +160,9 @@
           </a:lstStyle>
           <a:p>
             <a:r>
-              <a:rPr lang="en-US" smtClean="0"/>
+              <a:rPr lang="en-US"/>
               <a:t>Click to edit Master title style</a:t>
             </a:r>
-            <a:endParaRPr lang="en-US"/>
           </a:p>
         </p:txBody>
       </p:sp>
@@ -220,10 +224,9 @@
           </a:lstStyle>
           <a:p>
             <a:r>
-              <a:rPr lang="en-US" smtClean="0"/>
+              <a:rPr lang="en-US"/>
               <a:t>Click to edit Master subtitle style</a:t>
             </a:r>
-            <a:endParaRPr lang="en-US"/>
           </a:p>
         </p:txBody>
       </p:sp>
@@ -244,7 +247,7 @@
           <a:p>
             <a:fld id="{3F245E60-D325-4346-84B3-814574E8FD5D}" type="datetimeFigureOut">
               <a:rPr lang="en-US" smtClean="0"/>
-              <a:t>1/19/2019</a:t>
+              <a:t>1/27/2019</a:t>
             </a:fld>
             <a:endParaRPr lang="en-US"/>
           </a:p>
@@ -338,10 +341,9 @@
           <a:lstStyle/>
           <a:p>
             <a:r>
-              <a:rPr lang="en-US" smtClean="0"/>
+              <a:rPr lang="en-US"/>
               <a:t>Click to edit Master title style</a:t>
             </a:r>
-            <a:endParaRPr lang="en-US"/>
           </a:p>
         </p:txBody>
       </p:sp>
@@ -362,38 +364,37 @@
           <a:p>
             <a:pPr lvl="0"/>
             <a:r>
-              <a:rPr lang="en-US" smtClean="0"/>
+              <a:rPr lang="en-US"/>
               <a:t>Edit Master text styles</a:t>
             </a:r>
           </a:p>
           <a:p>
             <a:pPr lvl="1"/>
             <a:r>
-              <a:rPr lang="en-US" smtClean="0"/>
+              <a:rPr lang="en-US"/>
               <a:t>Second level</a:t>
             </a:r>
           </a:p>
           <a:p>
             <a:pPr lvl="2"/>
             <a:r>
-              <a:rPr lang="en-US" smtClean="0"/>
+              <a:rPr lang="en-US"/>
               <a:t>Third level</a:t>
             </a:r>
           </a:p>
           <a:p>
             <a:pPr lvl="3"/>
             <a:r>
-              <a:rPr lang="en-US" smtClean="0"/>
+              <a:rPr lang="en-US"/>
               <a:t>Fourth level</a:t>
             </a:r>
           </a:p>
           <a:p>
             <a:pPr lvl="4"/>
             <a:r>
-              <a:rPr lang="en-US" smtClean="0"/>
+              <a:rPr lang="en-US"/>
               <a:t>Fifth level</a:t>
             </a:r>
-            <a:endParaRPr lang="en-US"/>
           </a:p>
         </p:txBody>
       </p:sp>
@@ -414,7 +415,7 @@
           <a:p>
             <a:fld id="{3F245E60-D325-4346-84B3-814574E8FD5D}" type="datetimeFigureOut">
               <a:rPr lang="en-US" smtClean="0"/>
-              <a:t>1/19/2019</a:t>
+              <a:t>1/27/2019</a:t>
             </a:fld>
             <a:endParaRPr lang="en-US"/>
           </a:p>
@@ -513,10 +514,9 @@
           <a:lstStyle/>
           <a:p>
             <a:r>
-              <a:rPr lang="en-US" smtClean="0"/>
+              <a:rPr lang="en-US"/>
               <a:t>Click to edit Master title style</a:t>
             </a:r>
-            <a:endParaRPr lang="en-US"/>
           </a:p>
         </p:txBody>
       </p:sp>
@@ -542,38 +542,37 @@
           <a:p>
             <a:pPr lvl="0"/>
             <a:r>
-              <a:rPr lang="en-US" smtClean="0"/>
+              <a:rPr lang="en-US"/>
               <a:t>Edit Master text styles</a:t>
             </a:r>
           </a:p>
           <a:p>
             <a:pPr lvl="1"/>
             <a:r>
-              <a:rPr lang="en-US" smtClean="0"/>
+              <a:rPr lang="en-US"/>
               <a:t>Second level</a:t>
             </a:r>
           </a:p>
           <a:p>
             <a:pPr lvl="2"/>
             <a:r>
-              <a:rPr lang="en-US" smtClean="0"/>
+              <a:rPr lang="en-US"/>
               <a:t>Third level</a:t>
             </a:r>
           </a:p>
           <a:p>
             <a:pPr lvl="3"/>
             <a:r>
-              <a:rPr lang="en-US" smtClean="0"/>
+              <a:rPr lang="en-US"/>
               <a:t>Fourth level</a:t>
             </a:r>
           </a:p>
           <a:p>
             <a:pPr lvl="4"/>
             <a:r>
-              <a:rPr lang="en-US" smtClean="0"/>
+              <a:rPr lang="en-US"/>
               <a:t>Fifth level</a:t>
             </a:r>
-            <a:endParaRPr lang="en-US"/>
           </a:p>
         </p:txBody>
       </p:sp>
@@ -594,7 +593,7 @@
           <a:p>
             <a:fld id="{3F245E60-D325-4346-84B3-814574E8FD5D}" type="datetimeFigureOut">
               <a:rPr lang="en-US" smtClean="0"/>
-              <a:t>1/19/2019</a:t>
+              <a:t>1/27/2019</a:t>
             </a:fld>
             <a:endParaRPr lang="en-US"/>
           </a:p>
@@ -688,10 +687,9 @@
           <a:lstStyle/>
           <a:p>
             <a:r>
-              <a:rPr lang="en-US" smtClean="0"/>
+              <a:rPr lang="en-US"/>
               <a:t>Click to edit Master title style</a:t>
             </a:r>
-            <a:endParaRPr lang="en-US"/>
           </a:p>
         </p:txBody>
       </p:sp>
@@ -712,38 +710,37 @@
           <a:p>
             <a:pPr lvl="0"/>
             <a:r>
-              <a:rPr lang="en-US" smtClean="0"/>
+              <a:rPr lang="en-US"/>
               <a:t>Edit Master text styles</a:t>
             </a:r>
           </a:p>
           <a:p>
             <a:pPr lvl="1"/>
             <a:r>
-              <a:rPr lang="en-US" smtClean="0"/>
+              <a:rPr lang="en-US"/>
               <a:t>Second level</a:t>
             </a:r>
           </a:p>
           <a:p>
             <a:pPr lvl="2"/>
             <a:r>
-              <a:rPr lang="en-US" smtClean="0"/>
+              <a:rPr lang="en-US"/>
               <a:t>Third level</a:t>
             </a:r>
           </a:p>
           <a:p>
             <a:pPr lvl="3"/>
             <a:r>
-              <a:rPr lang="en-US" smtClean="0"/>
+              <a:rPr lang="en-US"/>
               <a:t>Fourth level</a:t>
             </a:r>
           </a:p>
           <a:p>
             <a:pPr lvl="4"/>
             <a:r>
-              <a:rPr lang="en-US" smtClean="0"/>
+              <a:rPr lang="en-US"/>
               <a:t>Fifth level</a:t>
             </a:r>
-            <a:endParaRPr lang="en-US"/>
           </a:p>
         </p:txBody>
       </p:sp>
@@ -764,7 +761,7 @@
           <a:p>
             <a:fld id="{3F245E60-D325-4346-84B3-814574E8FD5D}" type="datetimeFigureOut">
               <a:rPr lang="en-US" smtClean="0"/>
-              <a:t>1/19/2019</a:t>
+              <a:t>1/27/2019</a:t>
             </a:fld>
             <a:endParaRPr lang="en-US"/>
           </a:p>
@@ -867,10 +864,9 @@
           </a:lstStyle>
           <a:p>
             <a:r>
-              <a:rPr lang="en-US" smtClean="0"/>
+              <a:rPr lang="en-US"/>
               <a:t>Click to edit Master title style</a:t>
             </a:r>
-            <a:endParaRPr lang="en-US"/>
           </a:p>
         </p:txBody>
       </p:sp>
@@ -987,7 +983,7 @@
           <a:p>
             <a:pPr lvl="0"/>
             <a:r>
-              <a:rPr lang="en-US" smtClean="0"/>
+              <a:rPr lang="en-US"/>
               <a:t>Edit Master text styles</a:t>
             </a:r>
           </a:p>
@@ -1010,7 +1006,7 @@
           <a:p>
             <a:fld id="{3F245E60-D325-4346-84B3-814574E8FD5D}" type="datetimeFigureOut">
               <a:rPr lang="en-US" smtClean="0"/>
-              <a:t>1/19/2019</a:t>
+              <a:t>1/27/2019</a:t>
             </a:fld>
             <a:endParaRPr lang="en-US"/>
           </a:p>
@@ -1104,10 +1100,9 @@
           <a:lstStyle/>
           <a:p>
             <a:r>
-              <a:rPr lang="en-US" smtClean="0"/>
+              <a:rPr lang="en-US"/>
               <a:t>Click to edit Master title style</a:t>
             </a:r>
-            <a:endParaRPr lang="en-US"/>
           </a:p>
         </p:txBody>
       </p:sp>
@@ -1133,38 +1128,37 @@
           <a:p>
             <a:pPr lvl="0"/>
             <a:r>
-              <a:rPr lang="en-US" smtClean="0"/>
+              <a:rPr lang="en-US"/>
               <a:t>Edit Master text styles</a:t>
             </a:r>
           </a:p>
           <a:p>
             <a:pPr lvl="1"/>
             <a:r>
-              <a:rPr lang="en-US" smtClean="0"/>
+              <a:rPr lang="en-US"/>
               <a:t>Second level</a:t>
             </a:r>
           </a:p>
           <a:p>
             <a:pPr lvl="2"/>
             <a:r>
-              <a:rPr lang="en-US" smtClean="0"/>
+              <a:rPr lang="en-US"/>
               <a:t>Third level</a:t>
             </a:r>
           </a:p>
           <a:p>
             <a:pPr lvl="3"/>
             <a:r>
-              <a:rPr lang="en-US" smtClean="0"/>
+              <a:rPr lang="en-US"/>
               <a:t>Fourth level</a:t>
             </a:r>
           </a:p>
           <a:p>
             <a:pPr lvl="4"/>
             <a:r>
-              <a:rPr lang="en-US" smtClean="0"/>
+              <a:rPr lang="en-US"/>
               <a:t>Fifth level</a:t>
             </a:r>
-            <a:endParaRPr lang="en-US"/>
           </a:p>
         </p:txBody>
       </p:sp>
@@ -1190,38 +1184,37 @@
           <a:p>
             <a:pPr lvl="0"/>
             <a:r>
-              <a:rPr lang="en-US" smtClean="0"/>
+              <a:rPr lang="en-US"/>
               <a:t>Edit Master text styles</a:t>
             </a:r>
           </a:p>
           <a:p>
             <a:pPr lvl="1"/>
             <a:r>
-              <a:rPr lang="en-US" smtClean="0"/>
+              <a:rPr lang="en-US"/>
               <a:t>Second level</a:t>
             </a:r>
           </a:p>
           <a:p>
             <a:pPr lvl="2"/>
             <a:r>
-              <a:rPr lang="en-US" smtClean="0"/>
+              <a:rPr lang="en-US"/>
               <a:t>Third level</a:t>
             </a:r>
           </a:p>
           <a:p>
             <a:pPr lvl="3"/>
             <a:r>
-              <a:rPr lang="en-US" smtClean="0"/>
+              <a:rPr lang="en-US"/>
               <a:t>Fourth level</a:t>
             </a:r>
           </a:p>
           <a:p>
             <a:pPr lvl="4"/>
             <a:r>
-              <a:rPr lang="en-US" smtClean="0"/>
+              <a:rPr lang="en-US"/>
               <a:t>Fifth level</a:t>
             </a:r>
-            <a:endParaRPr lang="en-US"/>
           </a:p>
         </p:txBody>
       </p:sp>
@@ -1242,7 +1235,7 @@
           <a:p>
             <a:fld id="{3F245E60-D325-4346-84B3-814574E8FD5D}" type="datetimeFigureOut">
               <a:rPr lang="en-US" smtClean="0"/>
-              <a:t>1/19/2019</a:t>
+              <a:t>1/27/2019</a:t>
             </a:fld>
             <a:endParaRPr lang="en-US"/>
           </a:p>
@@ -1341,10 +1334,9 @@
           <a:lstStyle/>
           <a:p>
             <a:r>
-              <a:rPr lang="en-US" smtClean="0"/>
+              <a:rPr lang="en-US"/>
               <a:t>Click to edit Master title style</a:t>
             </a:r>
-            <a:endParaRPr lang="en-US"/>
           </a:p>
         </p:txBody>
       </p:sp>
@@ -1407,7 +1399,7 @@
           <a:p>
             <a:pPr lvl="0"/>
             <a:r>
-              <a:rPr lang="en-US" smtClean="0"/>
+              <a:rPr lang="en-US"/>
               <a:t>Edit Master text styles</a:t>
             </a:r>
           </a:p>
@@ -1435,38 +1427,37 @@
           <a:p>
             <a:pPr lvl="0"/>
             <a:r>
-              <a:rPr lang="en-US" smtClean="0"/>
+              <a:rPr lang="en-US"/>
               <a:t>Edit Master text styles</a:t>
             </a:r>
           </a:p>
           <a:p>
             <a:pPr lvl="1"/>
             <a:r>
-              <a:rPr lang="en-US" smtClean="0"/>
+              <a:rPr lang="en-US"/>
               <a:t>Second level</a:t>
             </a:r>
           </a:p>
           <a:p>
             <a:pPr lvl="2"/>
             <a:r>
-              <a:rPr lang="en-US" smtClean="0"/>
+              <a:rPr lang="en-US"/>
               <a:t>Third level</a:t>
             </a:r>
           </a:p>
           <a:p>
             <a:pPr lvl="3"/>
             <a:r>
-              <a:rPr lang="en-US" smtClean="0"/>
+              <a:rPr lang="en-US"/>
               <a:t>Fourth level</a:t>
             </a:r>
           </a:p>
           <a:p>
             <a:pPr lvl="4"/>
             <a:r>
-              <a:rPr lang="en-US" smtClean="0"/>
+              <a:rPr lang="en-US"/>
               <a:t>Fifth level</a:t>
             </a:r>
-            <a:endParaRPr lang="en-US"/>
           </a:p>
         </p:txBody>
       </p:sp>
@@ -1529,7 +1520,7 @@
           <a:p>
             <a:pPr lvl="0"/>
             <a:r>
-              <a:rPr lang="en-US" smtClean="0"/>
+              <a:rPr lang="en-US"/>
               <a:t>Edit Master text styles</a:t>
             </a:r>
           </a:p>
@@ -1557,38 +1548,37 @@
           <a:p>
             <a:pPr lvl="0"/>
             <a:r>
-              <a:rPr lang="en-US" smtClean="0"/>
+              <a:rPr lang="en-US"/>
               <a:t>Edit Master text styles</a:t>
             </a:r>
           </a:p>
           <a:p>
             <a:pPr lvl="1"/>
             <a:r>
-              <a:rPr lang="en-US" smtClean="0"/>
+              <a:rPr lang="en-US"/>
               <a:t>Second level</a:t>
             </a:r>
           </a:p>
           <a:p>
             <a:pPr lvl="2"/>
             <a:r>
-              <a:rPr lang="en-US" smtClean="0"/>
+              <a:rPr lang="en-US"/>
               <a:t>Third level</a:t>
             </a:r>
           </a:p>
           <a:p>
             <a:pPr lvl="3"/>
             <a:r>
-              <a:rPr lang="en-US" smtClean="0"/>
+              <a:rPr lang="en-US"/>
               <a:t>Fourth level</a:t>
             </a:r>
           </a:p>
           <a:p>
             <a:pPr lvl="4"/>
             <a:r>
-              <a:rPr lang="en-US" smtClean="0"/>
+              <a:rPr lang="en-US"/>
               <a:t>Fifth level</a:t>
             </a:r>
-            <a:endParaRPr lang="en-US"/>
           </a:p>
         </p:txBody>
       </p:sp>
@@ -1609,7 +1599,7 @@
           <a:p>
             <a:fld id="{3F245E60-D325-4346-84B3-814574E8FD5D}" type="datetimeFigureOut">
               <a:rPr lang="en-US" smtClean="0"/>
-              <a:t>1/19/2019</a:t>
+              <a:t>1/27/2019</a:t>
             </a:fld>
             <a:endParaRPr lang="en-US"/>
           </a:p>
@@ -1703,10 +1693,9 @@
           <a:lstStyle/>
           <a:p>
             <a:r>
-              <a:rPr lang="en-US" smtClean="0"/>
+              <a:rPr lang="en-US"/>
               <a:t>Click to edit Master title style</a:t>
             </a:r>
-            <a:endParaRPr lang="en-US"/>
           </a:p>
         </p:txBody>
       </p:sp>
@@ -1727,7 +1716,7 @@
           <a:p>
             <a:fld id="{3F245E60-D325-4346-84B3-814574E8FD5D}" type="datetimeFigureOut">
               <a:rPr lang="en-US" smtClean="0"/>
-              <a:t>1/19/2019</a:t>
+              <a:t>1/27/2019</a:t>
             </a:fld>
             <a:endParaRPr lang="en-US"/>
           </a:p>
@@ -1822,7 +1811,7 @@
           <a:p>
             <a:fld id="{3F245E60-D325-4346-84B3-814574E8FD5D}" type="datetimeFigureOut">
               <a:rPr lang="en-US" smtClean="0"/>
-              <a:t>1/19/2019</a:t>
+              <a:t>1/27/2019</a:t>
             </a:fld>
             <a:endParaRPr lang="en-US"/>
           </a:p>
@@ -1925,10 +1914,9 @@
           </a:lstStyle>
           <a:p>
             <a:r>
-              <a:rPr lang="en-US" smtClean="0"/>
+              <a:rPr lang="en-US"/>
               <a:t>Click to edit Master title style</a:t>
             </a:r>
-            <a:endParaRPr lang="en-US"/>
           </a:p>
         </p:txBody>
       </p:sp>
@@ -1982,38 +1970,37 @@
           <a:p>
             <a:pPr lvl="0"/>
             <a:r>
-              <a:rPr lang="en-US" smtClean="0"/>
+              <a:rPr lang="en-US"/>
               <a:t>Edit Master text styles</a:t>
             </a:r>
           </a:p>
           <a:p>
             <a:pPr lvl="1"/>
             <a:r>
-              <a:rPr lang="en-US" smtClean="0"/>
+              <a:rPr lang="en-US"/>
               <a:t>Second level</a:t>
             </a:r>
           </a:p>
           <a:p>
             <a:pPr lvl="2"/>
             <a:r>
-              <a:rPr lang="en-US" smtClean="0"/>
+              <a:rPr lang="en-US"/>
               <a:t>Third level</a:t>
             </a:r>
           </a:p>
           <a:p>
             <a:pPr lvl="3"/>
             <a:r>
-              <a:rPr lang="en-US" smtClean="0"/>
+              <a:rPr lang="en-US"/>
               <a:t>Fourth level</a:t>
             </a:r>
           </a:p>
           <a:p>
             <a:pPr lvl="4"/>
             <a:r>
-              <a:rPr lang="en-US" smtClean="0"/>
+              <a:rPr lang="en-US"/>
               <a:t>Fifth level</a:t>
             </a:r>
-            <a:endParaRPr lang="en-US"/>
           </a:p>
         </p:txBody>
       </p:sp>
@@ -2076,7 +2063,7 @@
           <a:p>
             <a:pPr lvl="0"/>
             <a:r>
-              <a:rPr lang="en-US" smtClean="0"/>
+              <a:rPr lang="en-US"/>
               <a:t>Edit Master text styles</a:t>
             </a:r>
           </a:p>
@@ -2099,7 +2086,7 @@
           <a:p>
             <a:fld id="{3F245E60-D325-4346-84B3-814574E8FD5D}" type="datetimeFigureOut">
               <a:rPr lang="en-US" smtClean="0"/>
-              <a:t>1/19/2019</a:t>
+              <a:t>1/27/2019</a:t>
             </a:fld>
             <a:endParaRPr lang="en-US"/>
           </a:p>
@@ -2202,10 +2189,9 @@
           </a:lstStyle>
           <a:p>
             <a:r>
-              <a:rPr lang="en-US" smtClean="0"/>
+              <a:rPr lang="en-US"/>
               <a:t>Click to edit Master title style</a:t>
             </a:r>
-            <a:endParaRPr lang="en-US"/>
           </a:p>
         </p:txBody>
       </p:sp>
@@ -2329,7 +2315,7 @@
           <a:p>
             <a:pPr lvl="0"/>
             <a:r>
-              <a:rPr lang="en-US" smtClean="0"/>
+              <a:rPr lang="en-US"/>
               <a:t>Edit Master text styles</a:t>
             </a:r>
           </a:p>
@@ -2352,7 +2338,7 @@
           <a:p>
             <a:fld id="{3F245E60-D325-4346-84B3-814574E8FD5D}" type="datetimeFigureOut">
               <a:rPr lang="en-US" smtClean="0"/>
-              <a:t>1/19/2019</a:t>
+              <a:t>1/27/2019</a:t>
             </a:fld>
             <a:endParaRPr lang="en-US"/>
           </a:p>
@@ -2461,10 +2447,9 @@
           <a:lstStyle/>
           <a:p>
             <a:r>
-              <a:rPr lang="en-US" smtClean="0"/>
+              <a:rPr lang="en-US"/>
               <a:t>Click to edit Master title style</a:t>
             </a:r>
-            <a:endParaRPr lang="en-US"/>
           </a:p>
         </p:txBody>
       </p:sp>
@@ -2495,38 +2480,37 @@
           <a:p>
             <a:pPr lvl="0"/>
             <a:r>
-              <a:rPr lang="en-US" smtClean="0"/>
+              <a:rPr lang="en-US"/>
               <a:t>Edit Master text styles</a:t>
             </a:r>
           </a:p>
           <a:p>
             <a:pPr lvl="1"/>
             <a:r>
-              <a:rPr lang="en-US" smtClean="0"/>
+              <a:rPr lang="en-US"/>
               <a:t>Second level</a:t>
             </a:r>
           </a:p>
           <a:p>
             <a:pPr lvl="2"/>
             <a:r>
-              <a:rPr lang="en-US" smtClean="0"/>
+              <a:rPr lang="en-US"/>
               <a:t>Third level</a:t>
             </a:r>
           </a:p>
           <a:p>
             <a:pPr lvl="3"/>
             <a:r>
-              <a:rPr lang="en-US" smtClean="0"/>
+              <a:rPr lang="en-US"/>
               <a:t>Fourth level</a:t>
             </a:r>
           </a:p>
           <a:p>
             <a:pPr lvl="4"/>
             <a:r>
-              <a:rPr lang="en-US" smtClean="0"/>
+              <a:rPr lang="en-US"/>
               <a:t>Fifth level</a:t>
             </a:r>
-            <a:endParaRPr lang="en-US"/>
           </a:p>
         </p:txBody>
       </p:sp>
@@ -2565,7 +2549,7 @@
           <a:p>
             <a:fld id="{3F245E60-D325-4346-84B3-814574E8FD5D}" type="datetimeFigureOut">
               <a:rPr lang="en-US" smtClean="0"/>
-              <a:t>1/19/2019</a:t>
+              <a:t>1/27/2019</a:t>
             </a:fld>
             <a:endParaRPr lang="en-US"/>
           </a:p>
@@ -3082,7 +3066,7 @@
               <a:defRPr/>
             </a:pPr>
             <a:r>
-              <a:rPr lang="en-US" sz="4800" dirty="0" smtClean="0">
+              <a:rPr lang="en-US" sz="4800" dirty="0">
                 <a:solidFill>
                   <a:prstClr val="white"/>
                 </a:solidFill>
@@ -3091,13 +3075,6 @@
               </a:rPr>
               <a:t>Exercises</a:t>
             </a:r>
-            <a:endParaRPr lang="en-US" sz="4800" dirty="0">
-              <a:solidFill>
-                <a:prstClr val="white"/>
-              </a:solidFill>
-              <a:latin typeface="Source Sans Pro Light" panose="020B0403030403020204" pitchFamily="34" charset="0"/>
-              <a:ea typeface="Source Sans Pro Light" panose="020B0403030403020204" pitchFamily="34" charset="0"/>
-            </a:endParaRPr>
           </a:p>
         </p:txBody>
       </p:sp>
@@ -3129,7 +3106,7 @@
         </p:blipFill>
         <p:spPr>
           <a:xfrm>
-            <a:off x="2408106" y="3037198"/>
+            <a:off x="3717922" y="2946952"/>
             <a:ext cx="964096" cy="964096"/>
           </a:xfrm>
           <a:prstGeom prst="rect">
